--- a/Shared/[FastCampus] 8주차_강의자료_김경원박사.pptx
+++ b/Shared/[FastCampus] 8주차_강의자료_김경원박사.pptx
@@ -5,10 +5,10 @@
     <p:sldMasterId id="2147483648" r:id="rId1"/>
   </p:sldMasterIdLst>
   <p:notesMasterIdLst>
-    <p:notesMasterId r:id="rId38"/>
+    <p:notesMasterId r:id="rId39"/>
   </p:notesMasterIdLst>
   <p:handoutMasterIdLst>
-    <p:handoutMasterId r:id="rId39"/>
+    <p:handoutMasterId r:id="rId40"/>
   </p:handoutMasterIdLst>
   <p:sldIdLst>
     <p:sldId id="1063" r:id="rId2"/>
@@ -46,15 +46,16 @@
     <p:sldId id="1245" r:id="rId34"/>
     <p:sldId id="1246" r:id="rId35"/>
     <p:sldId id="1247" r:id="rId36"/>
-    <p:sldId id="1062" r:id="rId37"/>
+    <p:sldId id="1193" r:id="rId37"/>
+    <p:sldId id="1062" r:id="rId38"/>
   </p:sldIdLst>
   <p:sldSz cx="12160250" cy="6840538"/>
   <p:notesSz cx="9874250" cy="6797675"/>
   <p:embeddedFontLst>
     <p:embeddedFont>
       <p:font typeface="맑은 고딕" panose="020B0503020000020004" pitchFamily="50" charset="-127"/>
-      <p:regular r:id="rId40"/>
-      <p:bold r:id="rId41"/>
+      <p:regular r:id="rId41"/>
+      <p:bold r:id="rId42"/>
     </p:embeddedFont>
   </p:embeddedFontLst>
   <p:defaultTextStyle>
@@ -267,7 +268,7 @@
           <a:p>
             <a:fld id="{FC718EE8-BF93-4A17-BED5-FC99EECA5FC7}" type="datetimeFigureOut">
               <a:rPr lang="ko-KR" altLang="en-US" smtClean="0"/>
-              <a:t>2019-07-15</a:t>
+              <a:t>2019-07-21</a:t>
             </a:fld>
             <a:endParaRPr lang="ko-KR" altLang="en-US"/>
           </a:p>
@@ -432,7 +433,7 @@
           <a:p>
             <a:fld id="{6101F873-BA02-446B-9127-C4DE4310B943}" type="datetimeFigureOut">
               <a:rPr lang="ko-KR" altLang="en-US" smtClean="0"/>
-              <a:t>2019-07-15</a:t>
+              <a:t>2019-07-21</a:t>
             </a:fld>
             <a:endParaRPr lang="ko-KR" altLang="en-US"/>
           </a:p>
@@ -962,7 +963,7 @@
           <a:p>
             <a:fld id="{89B5E594-86C5-4F1D-8812-38DF40064943}" type="datetime1">
               <a:rPr lang="ko-KR" altLang="en-US" smtClean="0"/>
-              <a:t>2019-07-15</a:t>
+              <a:t>2019-07-21</a:t>
             </a:fld>
             <a:endParaRPr lang="ko-KR" altLang="en-US"/>
           </a:p>
@@ -1170,7 +1171,7 @@
           <a:p>
             <a:fld id="{05C0B17C-522D-4CD8-8139-01EDEBAB2AF6}" type="datetime1">
               <a:rPr lang="ko-KR" altLang="en-US" smtClean="0"/>
-              <a:t>2019-07-15</a:t>
+              <a:t>2019-07-21</a:t>
             </a:fld>
             <a:endParaRPr lang="ko-KR" altLang="en-US"/>
           </a:p>
@@ -1348,7 +1349,7 @@
           <a:p>
             <a:fld id="{7345261C-38F3-40E7-AAA6-CE27B727AA65}" type="datetime1">
               <a:rPr lang="ko-KR" altLang="en-US" smtClean="0"/>
-              <a:t>2019-07-15</a:t>
+              <a:t>2019-07-21</a:t>
             </a:fld>
             <a:endParaRPr lang="ko-KR" altLang="en-US"/>
           </a:p>
@@ -1516,7 +1517,7 @@
           <a:p>
             <a:fld id="{A8472951-AD8C-47B8-8787-30E2F4BFA1EA}" type="datetime1">
               <a:rPr lang="ko-KR" altLang="en-US" smtClean="0"/>
-              <a:t>2019-07-15</a:t>
+              <a:t>2019-07-21</a:t>
             </a:fld>
             <a:endParaRPr lang="ko-KR" altLang="en-US"/>
           </a:p>
@@ -1771,7 +1772,7 @@
           <a:p>
             <a:fld id="{8BCB1BBF-13D1-46E6-8B8B-C9F26A0BAD91}" type="datetime1">
               <a:rPr lang="ko-KR" altLang="en-US" smtClean="0"/>
-              <a:t>2019-07-15</a:t>
+              <a:t>2019-07-21</a:t>
             </a:fld>
             <a:endParaRPr lang="ko-KR" altLang="en-US"/>
           </a:p>
@@ -2056,7 +2057,7 @@
           <a:p>
             <a:fld id="{B16FDC3D-FD6A-49DF-B101-11717D57279F}" type="datetime1">
               <a:rPr lang="ko-KR" altLang="en-US" smtClean="0"/>
-              <a:t>2019-07-15</a:t>
+              <a:t>2019-07-21</a:t>
             </a:fld>
             <a:endParaRPr lang="ko-KR" altLang="en-US"/>
           </a:p>
@@ -2475,7 +2476,7 @@
           <a:p>
             <a:fld id="{42D411A2-FD90-4A19-98A8-25197A66BC26}" type="datetime1">
               <a:rPr lang="ko-KR" altLang="en-US" smtClean="0"/>
-              <a:t>2019-07-15</a:t>
+              <a:t>2019-07-21</a:t>
             </a:fld>
             <a:endParaRPr lang="ko-KR" altLang="en-US"/>
           </a:p>
@@ -2592,7 +2593,7 @@
           <a:p>
             <a:fld id="{F6E6B532-6471-449A-9A2F-4428556C2F98}" type="datetime1">
               <a:rPr lang="ko-KR" altLang="en-US" smtClean="0"/>
-              <a:t>2019-07-15</a:t>
+              <a:t>2019-07-21</a:t>
             </a:fld>
             <a:endParaRPr lang="ko-KR" altLang="en-US"/>
           </a:p>
@@ -2687,7 +2688,7 @@
           <a:p>
             <a:fld id="{45A9E13B-856D-4562-A86D-A2B6F7BF810F}" type="datetime1">
               <a:rPr lang="ko-KR" altLang="en-US" smtClean="0"/>
-              <a:t>2019-07-15</a:t>
+              <a:t>2019-07-21</a:t>
             </a:fld>
             <a:endParaRPr lang="ko-KR" altLang="en-US"/>
           </a:p>
@@ -2962,7 +2963,7 @@
           <a:p>
             <a:fld id="{A672FB3A-7E9E-4380-9381-6FCA87FBB41A}" type="datetime1">
               <a:rPr lang="ko-KR" altLang="en-US" smtClean="0"/>
-              <a:t>2019-07-15</a:t>
+              <a:t>2019-07-21</a:t>
             </a:fld>
             <a:endParaRPr lang="ko-KR" altLang="en-US"/>
           </a:p>
@@ -3214,7 +3215,7 @@
           <a:p>
             <a:fld id="{3948CCBA-1514-4E9E-888A-807450F810B0}" type="datetime1">
               <a:rPr lang="ko-KR" altLang="en-US" smtClean="0"/>
-              <a:t>2019-07-15</a:t>
+              <a:t>2019-07-21</a:t>
             </a:fld>
             <a:endParaRPr lang="ko-KR" altLang="en-US"/>
           </a:p>
@@ -3427,7 +3428,7 @@
           <a:p>
             <a:fld id="{170EDEE7-370E-499F-B978-ABF387098974}" type="datetime1">
               <a:rPr lang="ko-KR" altLang="en-US" smtClean="0"/>
-              <a:t>2019-07-15</a:t>
+              <a:t>2019-07-21</a:t>
             </a:fld>
             <a:endParaRPr lang="ko-KR" altLang="en-US" dirty="0"/>
           </a:p>
@@ -5541,7 +5542,7 @@
         </p:blipFill>
         <p:spPr>
           <a:xfrm>
-            <a:off x="4135909" y="207522"/>
+            <a:off x="4502668" y="243681"/>
             <a:ext cx="7477125" cy="6353175"/>
           </a:xfrm>
           <a:prstGeom prst="rect">
@@ -8503,6 +8504,332 @@
 </file>
 
 <file path=ppt/slides/slide36.xml><?xml version="1.0" encoding="utf-8"?>
+<p:sld xmlns:a="http://schemas.openxmlformats.org/drawingml/2006/main" xmlns:r="http://schemas.openxmlformats.org/officeDocument/2006/relationships" xmlns:p="http://schemas.openxmlformats.org/presentationml/2006/main">
+  <p:cSld>
+    <p:spTree>
+      <p:nvGrpSpPr>
+        <p:cNvPr id="1" name=""/>
+        <p:cNvGrpSpPr/>
+        <p:nvPr/>
+      </p:nvGrpSpPr>
+      <p:grpSpPr>
+        <a:xfrm>
+          <a:off x="0" y="0"/>
+          <a:ext cx="0" cy="0"/>
+          <a:chOff x="0" y="0"/>
+          <a:chExt cx="0" cy="0"/>
+        </a:xfrm>
+      </p:grpSpPr>
+      <p:sp>
+        <p:nvSpPr>
+          <p:cNvPr id="5" name="제목 4"/>
+          <p:cNvSpPr>
+            <a:spLocks noGrp="1"/>
+          </p:cNvSpPr>
+          <p:nvPr>
+            <p:ph type="title"/>
+          </p:nvPr>
+        </p:nvSpPr>
+        <p:spPr>
+          <a:xfrm>
+            <a:off x="608012" y="2700189"/>
+            <a:ext cx="10944225" cy="1140090"/>
+          </a:xfrm>
+        </p:spPr>
+        <p:txBody>
+          <a:bodyPr>
+            <a:noAutofit/>
+          </a:bodyPr>
+          <a:lstStyle/>
+          <a:p>
+            <a:pPr algn="l"/>
+            <a:r>
+              <a:rPr lang="en-US" altLang="ko-KR" sz="4000" b="1" dirty="0">
+                <a:solidFill>
+                  <a:schemeClr val="tx1">
+                    <a:lumMod val="75000"/>
+                    <a:lumOff val="25000"/>
+                  </a:schemeClr>
+                </a:solidFill>
+                <a:latin typeface="Noto Sans CJK KR Black" pitchFamily="34" charset="-127"/>
+                <a:ea typeface="Noto Sans CJK KR Black" pitchFamily="34" charset="-127"/>
+              </a:rPr>
+              <a:t>&lt;Quiz&gt;</a:t>
+            </a:r>
+            <a:br>
+              <a:rPr lang="en-US" altLang="ko-KR" sz="3200" dirty="0">
+                <a:solidFill>
+                  <a:schemeClr val="tx1">
+                    <a:lumMod val="75000"/>
+                    <a:lumOff val="25000"/>
+                  </a:schemeClr>
+                </a:solidFill>
+                <a:latin typeface="Noto Sans CJK KR Black" pitchFamily="34" charset="-127"/>
+                <a:ea typeface="Noto Sans CJK KR Black" pitchFamily="34" charset="-127"/>
+              </a:rPr>
+            </a:br>
+            <a:br>
+              <a:rPr lang="en-US" altLang="ko-KR" sz="3200" dirty="0">
+                <a:solidFill>
+                  <a:schemeClr val="tx1">
+                    <a:lumMod val="75000"/>
+                    <a:lumOff val="25000"/>
+                  </a:schemeClr>
+                </a:solidFill>
+                <a:latin typeface="Noto Sans CJK KR Black" pitchFamily="34" charset="-127"/>
+                <a:ea typeface="Noto Sans CJK KR Black" pitchFamily="34" charset="-127"/>
+              </a:rPr>
+            </a:br>
+            <a:r>
+              <a:rPr lang="en-US" altLang="ko-KR" sz="2400" dirty="0">
+                <a:solidFill>
+                  <a:schemeClr val="tx1">
+                    <a:lumMod val="75000"/>
+                    <a:lumOff val="25000"/>
+                  </a:schemeClr>
+                </a:solidFill>
+                <a:latin typeface="Noto Sans CJK KR Black" pitchFamily="34" charset="-127"/>
+                <a:ea typeface="Noto Sans CJK KR Black" pitchFamily="34" charset="-127"/>
+              </a:rPr>
+              <a:t>1. </a:t>
+            </a:r>
+            <a:r>
+              <a:rPr lang="ko-KR" altLang="en-US" sz="2400" dirty="0">
+                <a:solidFill>
+                  <a:schemeClr val="tx1">
+                    <a:lumMod val="75000"/>
+                    <a:lumOff val="25000"/>
+                  </a:schemeClr>
+                </a:solidFill>
+                <a:latin typeface="Noto Sans CJK KR Black" pitchFamily="34" charset="-127"/>
+                <a:ea typeface="Noto Sans CJK KR Black" pitchFamily="34" charset="-127"/>
+              </a:rPr>
+              <a:t>선형 시계열 알고리즘과 상태공간모형의 차이점은 무엇인지 설명하라</a:t>
+            </a:r>
+            <a:r>
+              <a:rPr lang="en-US" altLang="ko-KR" sz="2400" dirty="0">
+                <a:solidFill>
+                  <a:schemeClr val="tx1">
+                    <a:lumMod val="75000"/>
+                    <a:lumOff val="25000"/>
+                  </a:schemeClr>
+                </a:solidFill>
+                <a:latin typeface="Noto Sans CJK KR Black" pitchFamily="34" charset="-127"/>
+                <a:ea typeface="Noto Sans CJK KR Black" pitchFamily="34" charset="-127"/>
+              </a:rPr>
+              <a:t>.</a:t>
+            </a:r>
+            <a:br>
+              <a:rPr lang="en-US" altLang="ko-KR" sz="2400" dirty="0">
+                <a:solidFill>
+                  <a:schemeClr val="tx1">
+                    <a:lumMod val="75000"/>
+                    <a:lumOff val="25000"/>
+                  </a:schemeClr>
+                </a:solidFill>
+                <a:latin typeface="Noto Sans CJK KR Black" pitchFamily="34" charset="-127"/>
+                <a:ea typeface="Noto Sans CJK KR Black" pitchFamily="34" charset="-127"/>
+              </a:rPr>
+            </a:br>
+            <a:br>
+              <a:rPr lang="en-US" altLang="ko-KR" sz="2400" dirty="0">
+                <a:solidFill>
+                  <a:schemeClr val="tx1">
+                    <a:lumMod val="75000"/>
+                    <a:lumOff val="25000"/>
+                  </a:schemeClr>
+                </a:solidFill>
+                <a:latin typeface="Noto Sans CJK KR Black" pitchFamily="34" charset="-127"/>
+                <a:ea typeface="Noto Sans CJK KR Black" pitchFamily="34" charset="-127"/>
+              </a:rPr>
+            </a:br>
+            <a:br>
+              <a:rPr lang="en-US" altLang="ko-KR" sz="2400" dirty="0">
+                <a:solidFill>
+                  <a:schemeClr val="tx1">
+                    <a:lumMod val="75000"/>
+                    <a:lumOff val="25000"/>
+                  </a:schemeClr>
+                </a:solidFill>
+                <a:latin typeface="Noto Sans CJK KR Black" pitchFamily="34" charset="-127"/>
+                <a:ea typeface="Noto Sans CJK KR Black" pitchFamily="34" charset="-127"/>
+              </a:rPr>
+            </a:br>
+            <a:r>
+              <a:rPr lang="en-US" altLang="ko-KR" sz="2400" dirty="0">
+                <a:solidFill>
+                  <a:schemeClr val="tx1">
+                    <a:lumMod val="75000"/>
+                    <a:lumOff val="25000"/>
+                  </a:schemeClr>
+                </a:solidFill>
+                <a:latin typeface="Noto Sans CJK KR Black" pitchFamily="34" charset="-127"/>
+                <a:ea typeface="Noto Sans CJK KR Black" pitchFamily="34" charset="-127"/>
+              </a:rPr>
+              <a:t>2. </a:t>
+            </a:r>
+            <a:r>
+              <a:rPr lang="ko-KR" altLang="en-US" sz="2400" dirty="0">
+                <a:solidFill>
+                  <a:schemeClr val="tx1">
+                    <a:lumMod val="75000"/>
+                    <a:lumOff val="25000"/>
+                  </a:schemeClr>
+                </a:solidFill>
+                <a:latin typeface="Noto Sans CJK KR Black" pitchFamily="34" charset="-127"/>
+                <a:ea typeface="Noto Sans CJK KR Black" pitchFamily="34" charset="-127"/>
+              </a:rPr>
+              <a:t>인과관계와 상관관계의 차이점을 설명하라</a:t>
+            </a:r>
+            <a:r>
+              <a:rPr lang="en-US" altLang="ko-KR" sz="2400" dirty="0">
+                <a:solidFill>
+                  <a:schemeClr val="tx1">
+                    <a:lumMod val="75000"/>
+                    <a:lumOff val="25000"/>
+                  </a:schemeClr>
+                </a:solidFill>
+                <a:latin typeface="Noto Sans CJK KR Black" pitchFamily="34" charset="-127"/>
+                <a:ea typeface="Noto Sans CJK KR Black" pitchFamily="34" charset="-127"/>
+              </a:rPr>
+              <a:t>.</a:t>
+            </a:r>
+            <a:br>
+              <a:rPr lang="en-US" altLang="ko-KR" sz="2400" dirty="0">
+                <a:solidFill>
+                  <a:schemeClr val="tx1">
+                    <a:lumMod val="75000"/>
+                    <a:lumOff val="25000"/>
+                  </a:schemeClr>
+                </a:solidFill>
+                <a:latin typeface="Noto Sans CJK KR Black" pitchFamily="34" charset="-127"/>
+                <a:ea typeface="Noto Sans CJK KR Black" pitchFamily="34" charset="-127"/>
+              </a:rPr>
+            </a:br>
+            <a:br>
+              <a:rPr lang="en-US" altLang="ko-KR" sz="2400" dirty="0">
+                <a:solidFill>
+                  <a:schemeClr val="tx1">
+                    <a:lumMod val="75000"/>
+                    <a:lumOff val="25000"/>
+                  </a:schemeClr>
+                </a:solidFill>
+                <a:latin typeface="Noto Sans CJK KR Black" pitchFamily="34" charset="-127"/>
+                <a:ea typeface="Noto Sans CJK KR Black" pitchFamily="34" charset="-127"/>
+              </a:rPr>
+            </a:br>
+            <a:br>
+              <a:rPr lang="en-US" altLang="ko-KR" sz="2400" dirty="0">
+                <a:solidFill>
+                  <a:schemeClr val="tx1">
+                    <a:lumMod val="75000"/>
+                    <a:lumOff val="25000"/>
+                  </a:schemeClr>
+                </a:solidFill>
+                <a:latin typeface="Noto Sans CJK KR Black" pitchFamily="34" charset="-127"/>
+                <a:ea typeface="Noto Sans CJK KR Black" pitchFamily="34" charset="-127"/>
+              </a:rPr>
+            </a:br>
+            <a:r>
+              <a:rPr lang="en-US" altLang="ko-KR" sz="2400" dirty="0">
+                <a:solidFill>
+                  <a:schemeClr val="tx1">
+                    <a:lumMod val="75000"/>
+                    <a:lumOff val="25000"/>
+                  </a:schemeClr>
+                </a:solidFill>
+                <a:latin typeface="Noto Sans CJK KR Black" pitchFamily="34" charset="-127"/>
+                <a:ea typeface="Noto Sans CJK KR Black" pitchFamily="34" charset="-127"/>
+              </a:rPr>
+              <a:t>3. Cointegration</a:t>
+            </a:r>
+            <a:r>
+              <a:rPr lang="ko-KR" altLang="en-US" sz="2400" dirty="0">
+                <a:solidFill>
+                  <a:schemeClr val="tx1">
+                    <a:lumMod val="75000"/>
+                    <a:lumOff val="25000"/>
+                  </a:schemeClr>
+                </a:solidFill>
+                <a:latin typeface="Noto Sans CJK KR Black" pitchFamily="34" charset="-127"/>
+                <a:ea typeface="Noto Sans CJK KR Black" pitchFamily="34" charset="-127"/>
+              </a:rPr>
+              <a:t>의 개념을 설명하라</a:t>
+            </a:r>
+            <a:r>
+              <a:rPr lang="en-US" altLang="ko-KR" sz="2400">
+                <a:solidFill>
+                  <a:schemeClr val="tx1">
+                    <a:lumMod val="75000"/>
+                    <a:lumOff val="25000"/>
+                  </a:schemeClr>
+                </a:solidFill>
+                <a:latin typeface="Noto Sans CJK KR Black" pitchFamily="34" charset="-127"/>
+                <a:ea typeface="Noto Sans CJK KR Black" pitchFamily="34" charset="-127"/>
+              </a:rPr>
+              <a:t>.</a:t>
+            </a:r>
+            <a:br>
+              <a:rPr lang="en-US" altLang="ko-KR" sz="2400" dirty="0">
+                <a:solidFill>
+                  <a:schemeClr val="tx1">
+                    <a:lumMod val="75000"/>
+                    <a:lumOff val="25000"/>
+                  </a:schemeClr>
+                </a:solidFill>
+                <a:latin typeface="Noto Sans CJK KR Black" pitchFamily="34" charset="-127"/>
+                <a:ea typeface="Noto Sans CJK KR Black" pitchFamily="34" charset="-127"/>
+              </a:rPr>
+            </a:br>
+            <a:endParaRPr lang="ko-KR" altLang="en-US" sz="3200" dirty="0">
+              <a:solidFill>
+                <a:schemeClr val="tx1">
+                  <a:lumMod val="75000"/>
+                  <a:lumOff val="25000"/>
+                </a:schemeClr>
+              </a:solidFill>
+            </a:endParaRPr>
+          </a:p>
+        </p:txBody>
+      </p:sp>
+      <p:sp>
+        <p:nvSpPr>
+          <p:cNvPr id="3" name="슬라이드 번호 개체 틀 2"/>
+          <p:cNvSpPr>
+            <a:spLocks noGrp="1"/>
+          </p:cNvSpPr>
+          <p:nvPr>
+            <p:ph type="sldNum" sz="quarter" idx="12"/>
+          </p:nvPr>
+        </p:nvSpPr>
+        <p:spPr/>
+        <p:txBody>
+          <a:bodyPr/>
+          <a:lstStyle/>
+          <a:p>
+            <a:fld id="{6DDAE2C3-1A0B-474A-8CE8-AE55B8D9D4B1}" type="slidenum">
+              <a:rPr lang="ko-KR" altLang="en-US" smtClean="0"/>
+              <a:pPr/>
+              <a:t>36</a:t>
+            </a:fld>
+            <a:endParaRPr lang="ko-KR" altLang="en-US" dirty="0"/>
+          </a:p>
+        </p:txBody>
+      </p:sp>
+    </p:spTree>
+    <p:extLst>
+      <p:ext uri="{BB962C8B-B14F-4D97-AF65-F5344CB8AC3E}">
+        <p14:creationId xmlns:p14="http://schemas.microsoft.com/office/powerpoint/2010/main" val="1865954392"/>
+      </p:ext>
+    </p:extLst>
+  </p:cSld>
+  <p:clrMapOvr>
+    <a:masterClrMapping/>
+  </p:clrMapOvr>
+</p:sld>
+</file>
+
+<file path=ppt/slides/slide37.xml><?xml version="1.0" encoding="utf-8"?>
 <p:sld xmlns:a="http://schemas.openxmlformats.org/drawingml/2006/main" xmlns:r="http://schemas.openxmlformats.org/officeDocument/2006/relationships" xmlns:p="http://schemas.openxmlformats.org/presentationml/2006/main">
   <p:cSld>
     <p:spTree>
